--- a/Dokumentation/Schweizer Addon PPP.pptx
+++ b/Dokumentation/Schweizer Addon PPP.pptx
@@ -656,10 +656,9 @@
               <a:buChar char="-"/>
             </a:pPr>
             <a:r>
-              <a:rPr lang="de-CH" dirty="0" err="1"/>
-              <a:t>Craftingrezepte</a:t>
+              <a:rPr lang="de-CH" dirty="0"/>
+              <a:t>Crafting-Rezepte</a:t>
             </a:r>
-            <a:endParaRPr lang="de-CH" dirty="0"/>
           </a:p>
           <a:p>
             <a:pPr marL="171450" indent="-171450">
@@ -1120,7 +1119,7 @@
           <a:p>
             <a:r>
               <a:rPr lang="de-CH" dirty="0"/>
-              <a:t>Luca</a:t>
+              <a:t>Michael</a:t>
             </a:r>
           </a:p>
         </p:txBody>
@@ -1207,8 +1206,14 @@
           <a:p>
             <a:r>
               <a:rPr lang="de-CH" dirty="0"/>
-              <a:t>Michael</a:t>
+              <a:t>Luca</a:t>
             </a:r>
+          </a:p>
+          <a:p>
+            <a:endParaRPr lang="de-CH" dirty="0"/>
+          </a:p>
+          <a:p>
+            <a:endParaRPr lang="de-CH" dirty="0"/>
           </a:p>
         </p:txBody>
       </p:sp>
@@ -1382,6 +1387,44 @@
             <a:r>
               <a:rPr lang="de-CH" dirty="0"/>
               <a:t>Michael</a:t>
+            </a:r>
+          </a:p>
+          <a:p>
+            <a:endParaRPr lang="de-CH" dirty="0"/>
+          </a:p>
+          <a:p>
+            <a:r>
+              <a:rPr lang="de-CH" dirty="0"/>
+              <a:t>Bei uns: Steinbock, Aluminiumerz, </a:t>
+            </a:r>
+            <a:r>
+              <a:rPr lang="de-CH" dirty="0" err="1"/>
+              <a:t>Murmeli</a:t>
+            </a:r>
+            <a:endParaRPr lang="de-CH" dirty="0"/>
+          </a:p>
+          <a:p>
+            <a:r>
+              <a:rPr lang="de-CH" dirty="0"/>
+              <a:t>Screenshots erklären</a:t>
+            </a:r>
+          </a:p>
+          <a:p>
+            <a:r>
+              <a:rPr lang="de-CH" dirty="0"/>
+              <a:t>Verhalten verändern</a:t>
+            </a:r>
+          </a:p>
+          <a:p>
+            <a:r>
+              <a:rPr lang="de-CH" dirty="0"/>
+              <a:t>Einfaches UI</a:t>
+            </a:r>
+          </a:p>
+          <a:p>
+            <a:r>
+              <a:rPr lang="de-CH" dirty="0"/>
+              <a:t>Einfach zum exportieren</a:t>
             </a:r>
           </a:p>
         </p:txBody>
@@ -16632,8 +16675,8 @@
         </p:blipFill>
         <p:spPr bwMode="auto">
           <a:xfrm>
-            <a:off x="4667250" y="2867819"/>
-            <a:ext cx="2857500" cy="2857500"/>
+            <a:off x="4580595" y="2716813"/>
+            <a:ext cx="3030809" cy="3030809"/>
           </a:xfrm>
           <a:prstGeom prst="rect">
             <a:avLst/>
@@ -16814,7 +16857,7 @@
             </a:pPr>
             <a:r>
               <a:rPr lang="de-CH" dirty="0"/>
-              <a:t>Erstellung der Elemente: bridgev2</a:t>
+              <a:t>Erstellung der Elemente: bridgev2 (Mit Beispiel)</a:t>
             </a:r>
           </a:p>
           <a:p>
@@ -18882,15 +18925,7 @@
             </a:pPr>
             <a:r>
               <a:rPr lang="de-CH" dirty="0"/>
-              <a:t>Viele Spieler haben Add-</a:t>
-            </a:r>
-            <a:r>
-              <a:rPr lang="de-CH" dirty="0" err="1"/>
-              <a:t>ons</a:t>
-            </a:r>
-            <a:r>
-              <a:rPr lang="de-CH" dirty="0"/>
-              <a:t> für das Spiel erstellt, um der Kreativität freien Lauf zu lassen</a:t>
+              <a:t>Viele Spieler haben Add-Ons für das Spiel erstellt, um der Kreativität freien Lauf zu lassen</a:t>
             </a:r>
           </a:p>
           <a:p>
@@ -18900,7 +18935,7 @@
             </a:pPr>
             <a:r>
               <a:rPr lang="de-CH" dirty="0"/>
-              <a:t>Wir erstellten ein Add-on über die Schweiz: mit Taschenmesser, Steinböcke, Chalet, etc. </a:t>
+              <a:t>Wir erstellten ein Add-On über die Schweiz: mit Taschenmesser, Steinböcke, Chalet, etc. </a:t>
             </a:r>
           </a:p>
         </p:txBody>
@@ -21799,15 +21834,7 @@
             </a:pPr>
             <a:r>
               <a:rPr lang="de-CH" dirty="0"/>
-              <a:t>Yanik hatte schon Vorwissen mit Add-</a:t>
-            </a:r>
-            <a:r>
-              <a:rPr lang="de-CH" dirty="0" err="1"/>
-              <a:t>ons</a:t>
-            </a:r>
-            <a:r>
-              <a:rPr lang="de-CH" dirty="0"/>
-              <a:t>, er konnte einschätzen, wie machbar die Elemente waren</a:t>
+              <a:t>Yanik hatte schon Vorwissen mit Add-Ons, er konnte einschätzen, wie machbar die Elemente waren</a:t>
             </a:r>
           </a:p>
           <a:p>
@@ -21918,8 +21945,8 @@
         </p:blipFill>
         <p:spPr bwMode="auto">
           <a:xfrm>
-            <a:off x="7094478" y="4127455"/>
-            <a:ext cx="2854960" cy="1510062"/>
+            <a:off x="6988549" y="4087623"/>
+            <a:ext cx="3260864" cy="1724755"/>
           </a:xfrm>
           <a:prstGeom prst="rect">
             <a:avLst/>
@@ -24446,13 +24473,8 @@
             </a:pPr>
             <a:r>
               <a:rPr lang="de-CH" dirty="0"/>
-              <a:t>Dies ist eine IDE speziell für Minecraft-</a:t>
+              <a:t>Dies ist eine IDE speziell für Minecraft-Add-Ons</a:t>
             </a:r>
-            <a:r>
-              <a:rPr lang="de-CH" dirty="0" err="1"/>
-              <a:t>Addons</a:t>
-            </a:r>
-            <a:endParaRPr lang="de-CH" dirty="0"/>
           </a:p>
           <a:p>
             <a:pPr marL="342900" indent="-342900">
@@ -24460,12 +24482,8 @@
               <a:buChar char="•"/>
             </a:pPr>
             <a:r>
-              <a:rPr lang="de-CH" dirty="0" err="1"/>
-              <a:t>Addons</a:t>
-            </a:r>
-            <a:r>
               <a:rPr lang="de-CH" dirty="0"/>
-              <a:t> bestehen aus einem Ressourcenpaket und einem Verhaltenspaket </a:t>
+              <a:t>Add-Ons bestehen aus einem Ressourcenpaket und einem Verhaltenspaket </a:t>
             </a:r>
           </a:p>
           <a:p>
@@ -25237,8 +25255,8 @@
         </p:blipFill>
         <p:spPr>
           <a:xfrm>
-            <a:off x="464757" y="1045030"/>
-            <a:ext cx="8482836" cy="5531084"/>
+            <a:off x="464757" y="910848"/>
+            <a:ext cx="8947316" cy="5833940"/>
           </a:xfrm>
         </p:spPr>
       </p:pic>
@@ -25416,8 +25434,8 @@
         </p:blipFill>
         <p:spPr>
           <a:xfrm>
-            <a:off x="9126392" y="325053"/>
-            <a:ext cx="2621469" cy="2017553"/>
+            <a:off x="9112417" y="305175"/>
+            <a:ext cx="2772826" cy="2134041"/>
           </a:xfrm>
           <a:prstGeom prst="rect">
             <a:avLst/>

--- a/Dokumentation/Schweizer Addon PPP.pptx
+++ b/Dokumentation/Schweizer Addon PPP.pptx
@@ -5,7 +5,7 @@
     <p:sldMasterId id="2147483673" r:id="rId1"/>
   </p:sldMasterIdLst>
   <p:notesMasterIdLst>
-    <p:notesMasterId r:id="rId13"/>
+    <p:notesMasterId r:id="rId14"/>
   </p:notesMasterIdLst>
   <p:sldIdLst>
     <p:sldId id="256" r:id="rId2"/>
@@ -19,6 +19,7 @@
     <p:sldId id="264" r:id="rId10"/>
     <p:sldId id="267" r:id="rId11"/>
     <p:sldId id="266" r:id="rId12"/>
+    <p:sldId id="268" r:id="rId13"/>
   </p:sldIdLst>
   <p:sldSz cx="12192000" cy="6858000"/>
   <p:notesSz cx="6858000" cy="9144000"/>
@@ -803,6 +804,93 @@
     <p:extLst>
       <p:ext uri="{BB962C8B-B14F-4D97-AF65-F5344CB8AC3E}">
         <p14:creationId xmlns:p14="http://schemas.microsoft.com/office/powerpoint/2010/main" val="2891877135"/>
+      </p:ext>
+    </p:extLst>
+  </p:cSld>
+  <p:clrMapOvr>
+    <a:masterClrMapping/>
+  </p:clrMapOvr>
+</p:notes>
+</file>
+
+<file path=ppt/notesSlides/notesSlide12.xml><?xml version="1.0" encoding="utf-8"?>
+<p:notes xmlns:a="http://schemas.openxmlformats.org/drawingml/2006/main" xmlns:r="http://schemas.openxmlformats.org/officeDocument/2006/relationships" xmlns:p="http://schemas.openxmlformats.org/presentationml/2006/main">
+  <p:cSld>
+    <p:spTree>
+      <p:nvGrpSpPr>
+        <p:cNvPr id="1" name=""/>
+        <p:cNvGrpSpPr/>
+        <p:nvPr/>
+      </p:nvGrpSpPr>
+      <p:grpSpPr>
+        <a:xfrm>
+          <a:off x="0" y="0"/>
+          <a:ext cx="0" cy="0"/>
+          <a:chOff x="0" y="0"/>
+          <a:chExt cx="0" cy="0"/>
+        </a:xfrm>
+      </p:grpSpPr>
+      <p:sp>
+        <p:nvSpPr>
+          <p:cNvPr id="2" name="Folienbildplatzhalter 1"/>
+          <p:cNvSpPr>
+            <a:spLocks noGrp="1" noRot="1" noChangeAspect="1"/>
+          </p:cNvSpPr>
+          <p:nvPr>
+            <p:ph type="sldImg"/>
+          </p:nvPr>
+        </p:nvSpPr>
+        <p:spPr/>
+      </p:sp>
+      <p:sp>
+        <p:nvSpPr>
+          <p:cNvPr id="3" name="Notizenplatzhalter 2"/>
+          <p:cNvSpPr>
+            <a:spLocks noGrp="1"/>
+          </p:cNvSpPr>
+          <p:nvPr>
+            <p:ph type="body" idx="1"/>
+          </p:nvPr>
+        </p:nvSpPr>
+        <p:spPr/>
+        <p:txBody>
+          <a:bodyPr/>
+          <a:lstStyle/>
+          <a:p>
+            <a:r>
+              <a:rPr lang="de-CH" dirty="0"/>
+              <a:t>Michael</a:t>
+            </a:r>
+          </a:p>
+        </p:txBody>
+      </p:sp>
+      <p:sp>
+        <p:nvSpPr>
+          <p:cNvPr id="4" name="Foliennummernplatzhalter 3"/>
+          <p:cNvSpPr>
+            <a:spLocks noGrp="1"/>
+          </p:cNvSpPr>
+          <p:nvPr>
+            <p:ph type="sldNum" sz="quarter" idx="5"/>
+          </p:nvPr>
+        </p:nvSpPr>
+        <p:spPr/>
+        <p:txBody>
+          <a:bodyPr/>
+          <a:lstStyle/>
+          <a:p>
+            <a:fld id="{5BB4DAA1-BCE6-439C-8C32-A7BF2E98A444}" type="slidenum">
+              <a:rPr lang="de-CH" smtClean="0"/>
+              <a:t>12</a:t>
+            </a:fld>
+            <a:endParaRPr lang="de-CH"/>
+          </a:p>
+        </p:txBody>
+      </p:sp>
+    </p:spTree>
+    <p:extLst>
+      <p:ext uri="{BB962C8B-B14F-4D97-AF65-F5344CB8AC3E}">
+        <p14:creationId xmlns:p14="http://schemas.microsoft.com/office/powerpoint/2010/main" val="3400772586"/>
       </p:ext>
     </p:extLst>
   </p:cSld>
@@ -2644,13 +2732,13 @@
   <p:clrMapOvr>
     <a:masterClrMapping/>
   </p:clrMapOvr>
-  <mc:AlternateContent xmlns:mc="http://schemas.openxmlformats.org/markup-compatibility/2006">
-    <mc:Choice xmlns:p14="http://schemas.microsoft.com/office/powerpoint/2010/main" Requires="p14">
+  <mc:AlternateContent xmlns:mc="http://schemas.openxmlformats.org/markup-compatibility/2006" xmlns:p14="http://schemas.microsoft.com/office/powerpoint/2010/main">
+    <mc:Choice Requires="p14">
       <p:transition spd="slow" p14:dur="1250">
         <p14:prism/>
       </p:transition>
     </mc:Choice>
-    <mc:Fallback>
+    <mc:Fallback xmlns="">
       <p:transition spd="slow">
         <p:fade/>
       </p:transition>
@@ -3707,13 +3795,13 @@
   <p:clrMapOvr>
     <a:masterClrMapping/>
   </p:clrMapOvr>
-  <mc:AlternateContent xmlns:mc="http://schemas.openxmlformats.org/markup-compatibility/2006">
-    <mc:Choice xmlns:p14="http://schemas.microsoft.com/office/powerpoint/2010/main" Requires="p14">
+  <mc:AlternateContent xmlns:mc="http://schemas.openxmlformats.org/markup-compatibility/2006" xmlns:p14="http://schemas.microsoft.com/office/powerpoint/2010/main">
+    <mc:Choice Requires="p14">
       <p:transition spd="slow" p14:dur="1250">
         <p14:prism/>
       </p:transition>
     </mc:Choice>
-    <mc:Fallback>
+    <mc:Fallback xmlns="">
       <p:transition spd="slow">
         <p:fade/>
       </p:transition>
@@ -4780,13 +4868,13 @@
   <p:clrMapOvr>
     <a:masterClrMapping/>
   </p:clrMapOvr>
-  <mc:AlternateContent xmlns:mc="http://schemas.openxmlformats.org/markup-compatibility/2006">
-    <mc:Choice xmlns:p14="http://schemas.microsoft.com/office/powerpoint/2010/main" Requires="p14">
+  <mc:AlternateContent xmlns:mc="http://schemas.openxmlformats.org/markup-compatibility/2006" xmlns:p14="http://schemas.microsoft.com/office/powerpoint/2010/main">
+    <mc:Choice Requires="p14">
       <p:transition spd="slow" p14:dur="1250">
         <p14:prism/>
       </p:transition>
     </mc:Choice>
-    <mc:Fallback>
+    <mc:Fallback xmlns="">
       <p:transition spd="slow">
         <p:fade/>
       </p:transition>
@@ -5848,13 +5936,13 @@
   <p:clrMapOvr>
     <a:masterClrMapping/>
   </p:clrMapOvr>
-  <mc:AlternateContent xmlns:mc="http://schemas.openxmlformats.org/markup-compatibility/2006">
-    <mc:Choice xmlns:p14="http://schemas.microsoft.com/office/powerpoint/2010/main" Requires="p14">
+  <mc:AlternateContent xmlns:mc="http://schemas.openxmlformats.org/markup-compatibility/2006" xmlns:p14="http://schemas.microsoft.com/office/powerpoint/2010/main">
+    <mc:Choice Requires="p14">
       <p:transition spd="slow" p14:dur="1250">
         <p14:prism/>
       </p:transition>
     </mc:Choice>
-    <mc:Fallback>
+    <mc:Fallback xmlns="">
       <p:transition spd="slow">
         <p:fade/>
       </p:transition>
@@ -6989,13 +7077,13 @@
   <p:clrMapOvr>
     <a:masterClrMapping/>
   </p:clrMapOvr>
-  <mc:AlternateContent xmlns:mc="http://schemas.openxmlformats.org/markup-compatibility/2006">
-    <mc:Choice xmlns:p14="http://schemas.microsoft.com/office/powerpoint/2010/main" Requires="p14">
+  <mc:AlternateContent xmlns:mc="http://schemas.openxmlformats.org/markup-compatibility/2006" xmlns:p14="http://schemas.microsoft.com/office/powerpoint/2010/main">
+    <mc:Choice Requires="p14">
       <p:transition spd="slow" p14:dur="1250">
         <p14:prism/>
       </p:transition>
     </mc:Choice>
-    <mc:Fallback>
+    <mc:Fallback xmlns="">
       <p:transition spd="slow">
         <p:fade/>
       </p:transition>
@@ -8120,13 +8208,13 @@
   <p:clrMapOvr>
     <a:masterClrMapping/>
   </p:clrMapOvr>
-  <mc:AlternateContent xmlns:mc="http://schemas.openxmlformats.org/markup-compatibility/2006">
-    <mc:Choice xmlns:p14="http://schemas.microsoft.com/office/powerpoint/2010/main" Requires="p14">
+  <mc:AlternateContent xmlns:mc="http://schemas.openxmlformats.org/markup-compatibility/2006" xmlns:p14="http://schemas.microsoft.com/office/powerpoint/2010/main">
+    <mc:Choice Requires="p14">
       <p:transition spd="slow" p14:dur="1250">
         <p14:prism/>
       </p:transition>
     </mc:Choice>
-    <mc:Fallback>
+    <mc:Fallback xmlns="">
       <p:transition spd="slow">
         <p:fade/>
       </p:transition>
@@ -8587,13 +8675,13 @@
   <p:clrMapOvr>
     <a:masterClrMapping/>
   </p:clrMapOvr>
-  <mc:AlternateContent xmlns:mc="http://schemas.openxmlformats.org/markup-compatibility/2006">
-    <mc:Choice xmlns:p14="http://schemas.microsoft.com/office/powerpoint/2010/main" Requires="p14">
+  <mc:AlternateContent xmlns:mc="http://schemas.openxmlformats.org/markup-compatibility/2006" xmlns:p14="http://schemas.microsoft.com/office/powerpoint/2010/main">
+    <mc:Choice Requires="p14">
       <p:transition spd="slow" p14:dur="1250">
         <p14:prism/>
       </p:transition>
     </mc:Choice>
-    <mc:Fallback>
+    <mc:Fallback xmlns="">
       <p:transition spd="slow">
         <p:fade/>
       </p:transition>
@@ -9597,13 +9685,13 @@
   <p:clrMapOvr>
     <a:masterClrMapping/>
   </p:clrMapOvr>
-  <mc:AlternateContent xmlns:mc="http://schemas.openxmlformats.org/markup-compatibility/2006">
-    <mc:Choice xmlns:p14="http://schemas.microsoft.com/office/powerpoint/2010/main" Requires="p14">
+  <mc:AlternateContent xmlns:mc="http://schemas.openxmlformats.org/markup-compatibility/2006" xmlns:p14="http://schemas.microsoft.com/office/powerpoint/2010/main">
+    <mc:Choice Requires="p14">
       <p:transition spd="slow" p14:dur="1250">
         <p14:prism/>
       </p:transition>
     </mc:Choice>
-    <mc:Fallback>
+    <mc:Fallback xmlns="">
       <p:transition spd="slow">
         <p:fade/>
       </p:transition>
@@ -9722,13 +9810,13 @@
   <p:clrMapOvr>
     <a:masterClrMapping/>
   </p:clrMapOvr>
-  <mc:AlternateContent xmlns:mc="http://schemas.openxmlformats.org/markup-compatibility/2006">
-    <mc:Choice xmlns:p14="http://schemas.microsoft.com/office/powerpoint/2010/main" Requires="p14">
+  <mc:AlternateContent xmlns:mc="http://schemas.openxmlformats.org/markup-compatibility/2006" xmlns:p14="http://schemas.microsoft.com/office/powerpoint/2010/main">
+    <mc:Choice Requires="p14">
       <p:transition spd="slow" p14:dur="1250">
         <p14:prism/>
       </p:transition>
     </mc:Choice>
-    <mc:Fallback>
+    <mc:Fallback xmlns="">
       <p:transition spd="slow">
         <p:fade/>
       </p:transition>
@@ -10904,13 +10992,13 @@
   <p:clrMapOvr>
     <a:masterClrMapping/>
   </p:clrMapOvr>
-  <mc:AlternateContent xmlns:mc="http://schemas.openxmlformats.org/markup-compatibility/2006">
-    <mc:Choice xmlns:p14="http://schemas.microsoft.com/office/powerpoint/2010/main" Requires="p14">
+  <mc:AlternateContent xmlns:mc="http://schemas.openxmlformats.org/markup-compatibility/2006" xmlns:p14="http://schemas.microsoft.com/office/powerpoint/2010/main">
+    <mc:Choice Requires="p14">
       <p:transition spd="slow" p14:dur="1250">
         <p14:prism/>
       </p:transition>
     </mc:Choice>
-    <mc:Fallback>
+    <mc:Fallback xmlns="">
       <p:transition spd="slow">
         <p:fade/>
       </p:transition>
@@ -12064,13 +12152,13 @@
   <p:clrMapOvr>
     <a:masterClrMapping/>
   </p:clrMapOvr>
-  <mc:AlternateContent xmlns:mc="http://schemas.openxmlformats.org/markup-compatibility/2006">
-    <mc:Choice xmlns:p14="http://schemas.microsoft.com/office/powerpoint/2010/main" Requires="p14">
+  <mc:AlternateContent xmlns:mc="http://schemas.openxmlformats.org/markup-compatibility/2006" xmlns:p14="http://schemas.microsoft.com/office/powerpoint/2010/main">
+    <mc:Choice Requires="p14">
       <p:transition spd="slow" p14:dur="1250">
         <p14:prism/>
       </p:transition>
     </mc:Choice>
-    <mc:Fallback>
+    <mc:Fallback xmlns="">
       <p:transition spd="slow">
         <p:fade/>
       </p:transition>
@@ -13684,13 +13772,13 @@
     <p:sldLayoutId id="2147483665" r:id="rId10"/>
     <p:sldLayoutId id="2147483667" r:id="rId11"/>
   </p:sldLayoutIdLst>
-  <mc:AlternateContent xmlns:mc="http://schemas.openxmlformats.org/markup-compatibility/2006">
-    <mc:Choice xmlns:p14="http://schemas.microsoft.com/office/powerpoint/2010/main" Requires="p14">
+  <mc:AlternateContent xmlns:mc="http://schemas.openxmlformats.org/markup-compatibility/2006" xmlns:p14="http://schemas.microsoft.com/office/powerpoint/2010/main">
+    <mc:Choice Requires="p14">
       <p:transition spd="slow" p14:dur="1250">
         <p14:prism/>
       </p:transition>
     </mc:Choice>
-    <mc:Fallback>
+    <mc:Fallback xmlns="">
       <p:transition spd="slow">
         <p:fade/>
       </p:transition>
@@ -16430,13 +16518,13 @@
   <p:clrMapOvr>
     <a:masterClrMapping/>
   </p:clrMapOvr>
-  <mc:AlternateContent xmlns:mc="http://schemas.openxmlformats.org/markup-compatibility/2006">
-    <mc:Choice xmlns:p14="http://schemas.microsoft.com/office/powerpoint/2010/main" Requires="p14">
+  <mc:AlternateContent xmlns:mc="http://schemas.openxmlformats.org/markup-compatibility/2006" xmlns:p14="http://schemas.microsoft.com/office/powerpoint/2010/main">
+    <mc:Choice Requires="p14">
       <p:transition spd="slow" p14:dur="1250">
         <p14:prism/>
       </p:transition>
     </mc:Choice>
-    <mc:Fallback>
+    <mc:Fallback xmlns="">
       <p:transition spd="slow">
         <p:fade/>
       </p:transition>
@@ -16584,13 +16672,13 @@
   <p:clrMapOvr>
     <a:masterClrMapping/>
   </p:clrMapOvr>
-  <mc:AlternateContent xmlns:mc="http://schemas.openxmlformats.org/markup-compatibility/2006">
-    <mc:Choice xmlns:p14="http://schemas.microsoft.com/office/powerpoint/2010/main" Requires="p14">
+  <mc:AlternateContent xmlns:mc="http://schemas.openxmlformats.org/markup-compatibility/2006" xmlns:p14="http://schemas.microsoft.com/office/powerpoint/2010/main">
+    <mc:Choice Requires="p14">
       <p:transition spd="slow" p14:dur="1250">
         <p14:prism/>
       </p:transition>
     </mc:Choice>
-    <mc:Fallback>
+    <mc:Fallback xmlns="">
       <p:transition spd="slow">
         <p:fade/>
       </p:transition>
@@ -16738,13 +16826,115 @@
   <p:clrMapOvr>
     <a:masterClrMapping/>
   </p:clrMapOvr>
-  <mc:AlternateContent xmlns:mc="http://schemas.openxmlformats.org/markup-compatibility/2006">
-    <mc:Choice xmlns:p14="http://schemas.microsoft.com/office/powerpoint/2010/main" Requires="p14">
+  <mc:AlternateContent xmlns:mc="http://schemas.openxmlformats.org/markup-compatibility/2006" xmlns:p14="http://schemas.microsoft.com/office/powerpoint/2010/main">
+    <mc:Choice Requires="p14">
       <p:transition spd="slow" p14:dur="1250">
         <p14:prism/>
       </p:transition>
     </mc:Choice>
-    <mc:Fallback>
+    <mc:Fallback xmlns="">
+      <p:transition spd="slow">
+        <p:fade/>
+      </p:transition>
+    </mc:Fallback>
+  </mc:AlternateContent>
+</p:sld>
+</file>
+
+<file path=ppt/slides/slide12.xml><?xml version="1.0" encoding="utf-8"?>
+<p:sld xmlns:a="http://schemas.openxmlformats.org/drawingml/2006/main" xmlns:r="http://schemas.openxmlformats.org/officeDocument/2006/relationships" xmlns:p="http://schemas.openxmlformats.org/presentationml/2006/main">
+  <p:cSld>
+    <p:spTree>
+      <p:nvGrpSpPr>
+        <p:cNvPr id="1" name=""/>
+        <p:cNvGrpSpPr/>
+        <p:nvPr/>
+      </p:nvGrpSpPr>
+      <p:grpSpPr>
+        <a:xfrm>
+          <a:off x="0" y="0"/>
+          <a:ext cx="0" cy="0"/>
+          <a:chOff x="0" y="0"/>
+          <a:chExt cx="0" cy="0"/>
+        </a:xfrm>
+      </p:grpSpPr>
+      <p:sp>
+        <p:nvSpPr>
+          <p:cNvPr id="2" name="Titel 1">
+            <a:extLst>
+              <a:ext uri="{FF2B5EF4-FFF2-40B4-BE49-F238E27FC236}">
+                <a16:creationId xmlns:a16="http://schemas.microsoft.com/office/drawing/2014/main" id="{9E86B2E8-7DA7-002C-DF86-F423AED45CE8}"/>
+              </a:ext>
+            </a:extLst>
+          </p:cNvPr>
+          <p:cNvSpPr>
+            <a:spLocks noGrp="1"/>
+          </p:cNvSpPr>
+          <p:nvPr>
+            <p:ph type="title"/>
+          </p:nvPr>
+        </p:nvSpPr>
+        <p:spPr/>
+        <p:txBody>
+          <a:bodyPr/>
+          <a:lstStyle/>
+          <a:p>
+            <a:endParaRPr lang="de-CH"/>
+          </a:p>
+        </p:txBody>
+      </p:sp>
+      <p:pic>
+        <p:nvPicPr>
+          <p:cNvPr id="5" name="Inhaltsplatzhalter 4" descr="Ein Bild, das Text enthält.&#10;&#10;Automatisch generierte Beschreibung">
+            <a:extLst>
+              <a:ext uri="{FF2B5EF4-FFF2-40B4-BE49-F238E27FC236}">
+                <a16:creationId xmlns:a16="http://schemas.microsoft.com/office/drawing/2014/main" id="{E2509961-24F4-B62E-F29E-04DAA676C894}"/>
+              </a:ext>
+            </a:extLst>
+          </p:cNvPr>
+          <p:cNvPicPr>
+            <a:picLocks noGrp="1" noChangeAspect="1"/>
+          </p:cNvPicPr>
+          <p:nvPr>
+            <p:ph idx="1"/>
+          </p:nvPr>
+        </p:nvPicPr>
+        <p:blipFill>
+          <a:blip r:embed="rId3">
+            <a:extLst>
+              <a:ext uri="{28A0092B-C50C-407E-A947-70E740481C1C}">
+                <a14:useLocalDpi xmlns:a14="http://schemas.microsoft.com/office/drawing/2010/main" val="0"/>
+              </a:ext>
+            </a:extLst>
+          </a:blip>
+          <a:stretch>
+            <a:fillRect/>
+          </a:stretch>
+        </p:blipFill>
+        <p:spPr>
+          <a:xfrm>
+            <a:off x="0" y="-615455"/>
+            <a:ext cx="12191999" cy="8127999"/>
+          </a:xfrm>
+        </p:spPr>
+      </p:pic>
+    </p:spTree>
+    <p:extLst>
+      <p:ext uri="{BB962C8B-B14F-4D97-AF65-F5344CB8AC3E}">
+        <p14:creationId xmlns:p14="http://schemas.microsoft.com/office/powerpoint/2010/main" val="2661784683"/>
+      </p:ext>
+    </p:extLst>
+  </p:cSld>
+  <p:clrMapOvr>
+    <a:masterClrMapping/>
+  </p:clrMapOvr>
+  <mc:AlternateContent xmlns:mc="http://schemas.openxmlformats.org/markup-compatibility/2006" xmlns:p14="http://schemas.microsoft.com/office/powerpoint/2010/main">
+    <mc:Choice Requires="p14">
+      <p:transition spd="slow" p14:dur="1250">
+        <p14:prism/>
+      </p:transition>
+    </mc:Choice>
+    <mc:Fallback xmlns="">
       <p:transition spd="slow">
         <p:fade/>
       </p:transition>
@@ -16914,13 +17104,13 @@
   <p:clrMapOvr>
     <a:masterClrMapping/>
   </p:clrMapOvr>
-  <mc:AlternateContent xmlns:mc="http://schemas.openxmlformats.org/markup-compatibility/2006">
-    <mc:Choice xmlns:p14="http://schemas.microsoft.com/office/powerpoint/2010/main" Requires="p14">
+  <mc:AlternateContent xmlns:mc="http://schemas.openxmlformats.org/markup-compatibility/2006" xmlns:p14="http://schemas.microsoft.com/office/powerpoint/2010/main">
+    <mc:Choice Requires="p14">
       <p:transition spd="slow" p14:dur="1250">
         <p14:prism/>
       </p:transition>
     </mc:Choice>
-    <mc:Fallback>
+    <mc:Fallback xmlns="">
       <p:transition spd="slow">
         <p:fade/>
       </p:transition>
@@ -20245,13 +20435,13 @@
   <p:clrMapOvr>
     <a:masterClrMapping/>
   </p:clrMapOvr>
-  <mc:AlternateContent xmlns:mc="http://schemas.openxmlformats.org/markup-compatibility/2006">
-    <mc:Choice xmlns:p14="http://schemas.microsoft.com/office/powerpoint/2010/main" Requires="p14">
+  <mc:AlternateContent xmlns:mc="http://schemas.openxmlformats.org/markup-compatibility/2006" xmlns:p14="http://schemas.microsoft.com/office/powerpoint/2010/main">
+    <mc:Choice Requires="p14">
       <p:transition spd="slow" p14:dur="1250">
         <p14:prism/>
       </p:transition>
     </mc:Choice>
-    <mc:Fallback>
+    <mc:Fallback xmlns="">
       <p:transition spd="slow">
         <p:fade/>
       </p:transition>
@@ -23224,13 +23414,13 @@
   <p:clrMapOvr>
     <a:masterClrMapping/>
   </p:clrMapOvr>
-  <mc:AlternateContent xmlns:mc="http://schemas.openxmlformats.org/markup-compatibility/2006">
-    <mc:Choice xmlns:p14="http://schemas.microsoft.com/office/powerpoint/2010/main" Requires="p14">
+  <mc:AlternateContent xmlns:mc="http://schemas.openxmlformats.org/markup-compatibility/2006" xmlns:p14="http://schemas.microsoft.com/office/powerpoint/2010/main">
+    <mc:Choice Requires="p14">
       <p:transition spd="slow" p14:dur="1250">
         <p14:prism/>
       </p:transition>
     </mc:Choice>
-    <mc:Fallback>
+    <mc:Fallback xmlns="">
       <p:transition spd="slow">
         <p:fade/>
       </p:transition>
@@ -23735,13 +23925,13 @@
   <p:clrMapOvr>
     <a:masterClrMapping/>
   </p:clrMapOvr>
-  <mc:AlternateContent xmlns:mc="http://schemas.openxmlformats.org/markup-compatibility/2006">
-    <mc:Choice xmlns:p14="http://schemas.microsoft.com/office/powerpoint/2010/main" Requires="p14">
+  <mc:AlternateContent xmlns:mc="http://schemas.openxmlformats.org/markup-compatibility/2006" xmlns:p14="http://schemas.microsoft.com/office/powerpoint/2010/main">
+    <mc:Choice Requires="p14">
       <p:transition spd="slow" p14:dur="1250">
         <p14:prism/>
       </p:transition>
     </mc:Choice>
-    <mc:Fallback>
+    <mc:Fallback xmlns="">
       <p:transition spd="slow">
         <p:fade/>
       </p:transition>
@@ -24648,13 +24838,13 @@
   <p:clrMapOvr>
     <a:masterClrMapping/>
   </p:clrMapOvr>
-  <mc:AlternateContent xmlns:mc="http://schemas.openxmlformats.org/markup-compatibility/2006">
-    <mc:Choice xmlns:p14="http://schemas.microsoft.com/office/powerpoint/2010/main" Requires="p14">
+  <mc:AlternateContent xmlns:mc="http://schemas.openxmlformats.org/markup-compatibility/2006" xmlns:p14="http://schemas.microsoft.com/office/powerpoint/2010/main">
+    <mc:Choice Requires="p14">
       <p:transition spd="slow" p14:dur="1250">
         <p14:prism/>
       </p:transition>
     </mc:Choice>
-    <mc:Fallback>
+    <mc:Fallback xmlns="">
       <p:transition spd="slow">
         <p:fade/>
       </p:transition>
@@ -25270,13 +25460,13 @@
   <p:clrMapOvr>
     <a:masterClrMapping/>
   </p:clrMapOvr>
-  <mc:AlternateContent xmlns:mc="http://schemas.openxmlformats.org/markup-compatibility/2006">
-    <mc:Choice xmlns:p14="http://schemas.microsoft.com/office/powerpoint/2010/main" Requires="p14">
+  <mc:AlternateContent xmlns:mc="http://schemas.openxmlformats.org/markup-compatibility/2006" xmlns:p14="http://schemas.microsoft.com/office/powerpoint/2010/main">
+    <mc:Choice Requires="p14">
       <p:transition spd="slow" p14:dur="1250">
         <p14:prism/>
       </p:transition>
     </mc:Choice>
-    <mc:Fallback>
+    <mc:Fallback xmlns="">
       <p:transition spd="slow">
         <p:fade/>
       </p:transition>
@@ -25559,13 +25749,13 @@
   <p:clrMapOvr>
     <a:masterClrMapping/>
   </p:clrMapOvr>
-  <mc:AlternateContent xmlns:mc="http://schemas.openxmlformats.org/markup-compatibility/2006">
-    <mc:Choice xmlns:p14="http://schemas.microsoft.com/office/powerpoint/2010/main" Requires="p14">
+  <mc:AlternateContent xmlns:mc="http://schemas.openxmlformats.org/markup-compatibility/2006" xmlns:p14="http://schemas.microsoft.com/office/powerpoint/2010/main">
+    <mc:Choice Requires="p14">
       <p:transition spd="slow" p14:dur="1250">
         <p14:prism/>
       </p:transition>
     </mc:Choice>
-    <mc:Fallback>
+    <mc:Fallback xmlns="">
       <p:transition spd="slow">
         <p:fade/>
       </p:transition>
@@ -26313,13 +26503,13 @@
   <p:clrMapOvr>
     <a:masterClrMapping/>
   </p:clrMapOvr>
-  <mc:AlternateContent xmlns:mc="http://schemas.openxmlformats.org/markup-compatibility/2006">
-    <mc:Choice xmlns:p14="http://schemas.microsoft.com/office/powerpoint/2010/main" Requires="p14">
+  <mc:AlternateContent xmlns:mc="http://schemas.openxmlformats.org/markup-compatibility/2006" xmlns:p14="http://schemas.microsoft.com/office/powerpoint/2010/main">
+    <mc:Choice Requires="p14">
       <p:transition spd="slow" p14:dur="1250">
         <p14:prism/>
       </p:transition>
     </mc:Choice>
-    <mc:Fallback>
+    <mc:Fallback xmlns="">
       <p:transition spd="slow">
         <p:fade/>
       </p:transition>
